--- a/powerpoint_images/modeling_results.pptx
+++ b/powerpoint_images/modeling_results.pptx
@@ -5,13 +5,14 @@
     <p:sldMasterId id="2147483648" r:id="rId1"/>
   </p:sldMasterIdLst>
   <p:notesMasterIdLst>
-    <p:notesMasterId r:id="rId6"/>
+    <p:notesMasterId r:id="rId7"/>
   </p:notesMasterIdLst>
   <p:sldIdLst>
     <p:sldId id="256" r:id="rId2"/>
     <p:sldId id="257" r:id="rId3"/>
-    <p:sldId id="259" r:id="rId4"/>
-    <p:sldId id="258" r:id="rId5"/>
+    <p:sldId id="260" r:id="rId4"/>
+    <p:sldId id="259" r:id="rId5"/>
+    <p:sldId id="258" r:id="rId6"/>
   </p:sldIdLst>
   <p:sldSz cx="12192000" cy="6858000"/>
   <p:notesSz cx="6858000" cy="9144000"/>
@@ -2850,6 +2851,1209 @@
             <a:fld id="{8B858FF0-2092-CF4C-BD0A-AD91B44517F1}" type="slidenum">
               <a:rPr lang="en-US" smtClean="0"/>
               <a:t>3</a:t>
+            </a:fld>
+            <a:endParaRPr lang="en-US"/>
+          </a:p>
+        </p:txBody>
+      </p:sp>
+    </p:spTree>
+    <p:extLst>
+      <p:ext uri="{BB962C8B-B14F-4D97-AF65-F5344CB8AC3E}">
+        <p14:creationId xmlns:p14="http://schemas.microsoft.com/office/powerpoint/2010/main" val="2412226375"/>
+      </p:ext>
+    </p:extLst>
+  </p:cSld>
+  <p:clrMapOvr>
+    <a:masterClrMapping/>
+  </p:clrMapOvr>
+</p:notes>
+</file>
+
+<file path=ppt/notesSlides/notesSlide3.xml><?xml version="1.0" encoding="utf-8"?>
+<p:notes xmlns:a="http://schemas.openxmlformats.org/drawingml/2006/main" xmlns:r="http://schemas.openxmlformats.org/officeDocument/2006/relationships" xmlns:p="http://schemas.openxmlformats.org/presentationml/2006/main">
+  <p:cSld>
+    <p:spTree>
+      <p:nvGrpSpPr>
+        <p:cNvPr id="1" name=""/>
+        <p:cNvGrpSpPr/>
+        <p:nvPr/>
+      </p:nvGrpSpPr>
+      <p:grpSpPr>
+        <a:xfrm>
+          <a:off x="0" y="0"/>
+          <a:ext cx="0" cy="0"/>
+          <a:chOff x="0" y="0"/>
+          <a:chExt cx="0" cy="0"/>
+        </a:xfrm>
+      </p:grpSpPr>
+      <p:sp>
+        <p:nvSpPr>
+          <p:cNvPr id="2" name="Slide Image Placeholder 1"/>
+          <p:cNvSpPr>
+            <a:spLocks noGrp="1" noRot="1" noChangeAspect="1"/>
+          </p:cNvSpPr>
+          <p:nvPr>
+            <p:ph type="sldImg"/>
+          </p:nvPr>
+        </p:nvSpPr>
+        <p:spPr/>
+      </p:sp>
+      <p:sp>
+        <p:nvSpPr>
+          <p:cNvPr id="3" name="Notes Placeholder 2"/>
+          <p:cNvSpPr>
+            <a:spLocks noGrp="1"/>
+          </p:cNvSpPr>
+          <p:nvPr>
+            <p:ph type="body" idx="1"/>
+          </p:nvPr>
+        </p:nvSpPr>
+        <p:spPr/>
+        <p:txBody>
+          <a:bodyPr/>
+          <a:lstStyle/>
+          <a:p>
+            <a:r>
+              <a:rPr lang="en-US" sz="1200" b="0" kern="1200" dirty="0" err="1">
+                <a:solidFill>
+                  <a:schemeClr val="tx1"/>
+                </a:solidFill>
+                <a:effectLst/>
+                <a:latin typeface="+mn-lt"/>
+                <a:ea typeface="+mn-ea"/>
+                <a:cs typeface="+mn-cs"/>
+              </a:rPr>
+              <a:t>img_input</a:t>
+            </a:r>
+            <a:r>
+              <a:rPr lang="en-US" sz="1200" b="0" kern="1200" dirty="0">
+                <a:solidFill>
+                  <a:schemeClr val="tx1"/>
+                </a:solidFill>
+                <a:effectLst/>
+                <a:latin typeface="+mn-lt"/>
+                <a:ea typeface="+mn-ea"/>
+                <a:cs typeface="+mn-cs"/>
+              </a:rPr>
+              <a:t> = </a:t>
+            </a:r>
+            <a:r>
+              <a:rPr lang="en-US" sz="1200" b="0" kern="1200" dirty="0" err="1">
+                <a:solidFill>
+                  <a:schemeClr val="tx1"/>
+                </a:solidFill>
+                <a:effectLst/>
+                <a:latin typeface="+mn-lt"/>
+                <a:ea typeface="+mn-ea"/>
+                <a:cs typeface="+mn-cs"/>
+              </a:rPr>
+              <a:t>tf.keras.Input</a:t>
+            </a:r>
+            <a:r>
+              <a:rPr lang="en-US" sz="1200" b="0" kern="1200" dirty="0">
+                <a:solidFill>
+                  <a:schemeClr val="tx1"/>
+                </a:solidFill>
+                <a:effectLst/>
+                <a:latin typeface="+mn-lt"/>
+                <a:ea typeface="+mn-ea"/>
+                <a:cs typeface="+mn-cs"/>
+              </a:rPr>
+              <a:t>(shape=(</a:t>
+            </a:r>
+            <a:r>
+              <a:rPr lang="en-US" sz="1200" b="0" kern="1200" dirty="0" err="1">
+                <a:solidFill>
+                  <a:schemeClr val="tx1"/>
+                </a:solidFill>
+                <a:effectLst/>
+                <a:latin typeface="+mn-lt"/>
+                <a:ea typeface="+mn-ea"/>
+                <a:cs typeface="+mn-cs"/>
+              </a:rPr>
+              <a:t>imshape</a:t>
+            </a:r>
+            <a:r>
+              <a:rPr lang="en-US" sz="1200" b="0" kern="1200" dirty="0">
+                <a:solidFill>
+                  <a:schemeClr val="tx1"/>
+                </a:solidFill>
+                <a:effectLst/>
+                <a:latin typeface="+mn-lt"/>
+                <a:ea typeface="+mn-ea"/>
+                <a:cs typeface="+mn-cs"/>
+              </a:rPr>
+              <a:t>))</a:t>
+            </a:r>
+          </a:p>
+          <a:p>
+            <a:br>
+              <a:rPr lang="en-US" sz="1200" b="0" kern="1200" dirty="0">
+                <a:solidFill>
+                  <a:schemeClr val="tx1"/>
+                </a:solidFill>
+                <a:effectLst/>
+                <a:latin typeface="+mn-lt"/>
+                <a:ea typeface="+mn-ea"/>
+                <a:cs typeface="+mn-cs"/>
+              </a:rPr>
+            </a:br>
+            <a:r>
+              <a:rPr lang="en-US" sz="1200" b="0" i="1" kern="1200" dirty="0">
+                <a:solidFill>
+                  <a:schemeClr val="tx1"/>
+                </a:solidFill>
+                <a:effectLst/>
+                <a:latin typeface="+mn-lt"/>
+                <a:ea typeface="+mn-ea"/>
+                <a:cs typeface="+mn-cs"/>
+              </a:rPr>
+              <a:t># define encoder layers</a:t>
+            </a:r>
+            <a:endParaRPr lang="en-US" sz="1200" b="0" kern="1200" dirty="0">
+              <a:solidFill>
+                <a:schemeClr val="tx1"/>
+              </a:solidFill>
+              <a:effectLst/>
+              <a:latin typeface="+mn-lt"/>
+              <a:ea typeface="+mn-ea"/>
+              <a:cs typeface="+mn-cs"/>
+            </a:endParaRPr>
+          </a:p>
+          <a:p>
+            <a:r>
+              <a:rPr lang="en-US" sz="1200" b="0" i="1" kern="1200" dirty="0">
+                <a:solidFill>
+                  <a:schemeClr val="tx1"/>
+                </a:solidFill>
+                <a:effectLst/>
+                <a:latin typeface="+mn-lt"/>
+                <a:ea typeface="+mn-ea"/>
+                <a:cs typeface="+mn-cs"/>
+              </a:rPr>
+              <a:t># conv1 and conv2 contain intermediate the encoder outputs</a:t>
+            </a:r>
+            <a:endParaRPr lang="en-US" sz="1200" b="0" kern="1200" dirty="0">
+              <a:solidFill>
+                <a:schemeClr val="tx1"/>
+              </a:solidFill>
+              <a:effectLst/>
+              <a:latin typeface="+mn-lt"/>
+              <a:ea typeface="+mn-ea"/>
+              <a:cs typeface="+mn-cs"/>
+            </a:endParaRPr>
+          </a:p>
+          <a:p>
+            <a:r>
+              <a:rPr lang="en-US" sz="1200" b="0" i="1" kern="1200" dirty="0">
+                <a:solidFill>
+                  <a:schemeClr val="tx1"/>
+                </a:solidFill>
+                <a:effectLst/>
+                <a:latin typeface="+mn-lt"/>
+                <a:ea typeface="+mn-ea"/>
+                <a:cs typeface="+mn-cs"/>
+              </a:rPr>
+              <a:t># which will be used by the decoder</a:t>
+            </a:r>
+            <a:endParaRPr lang="en-US" sz="1200" b="0" kern="1200" dirty="0">
+              <a:solidFill>
+                <a:schemeClr val="tx1"/>
+              </a:solidFill>
+              <a:effectLst/>
+              <a:latin typeface="+mn-lt"/>
+              <a:ea typeface="+mn-ea"/>
+              <a:cs typeface="+mn-cs"/>
+            </a:endParaRPr>
+          </a:p>
+          <a:p>
+            <a:r>
+              <a:rPr lang="en-US" sz="1200" b="0" i="1" kern="1200" dirty="0">
+                <a:solidFill>
+                  <a:schemeClr val="tx1"/>
+                </a:solidFill>
+                <a:effectLst/>
+                <a:latin typeface="+mn-lt"/>
+                <a:ea typeface="+mn-ea"/>
+                <a:cs typeface="+mn-cs"/>
+              </a:rPr>
+              <a:t># pool2 is the final output of the encoder</a:t>
+            </a:r>
+            <a:endParaRPr lang="en-US" sz="1200" b="0" kern="1200" dirty="0">
+              <a:solidFill>
+                <a:schemeClr val="tx1"/>
+              </a:solidFill>
+              <a:effectLst/>
+              <a:latin typeface="+mn-lt"/>
+              <a:ea typeface="+mn-ea"/>
+              <a:cs typeface="+mn-cs"/>
+            </a:endParaRPr>
+          </a:p>
+          <a:p>
+            <a:br>
+              <a:rPr lang="en-US" sz="1200" b="0" kern="1200" dirty="0">
+                <a:solidFill>
+                  <a:schemeClr val="tx1"/>
+                </a:solidFill>
+                <a:effectLst/>
+                <a:latin typeface="+mn-lt"/>
+                <a:ea typeface="+mn-ea"/>
+                <a:cs typeface="+mn-cs"/>
+              </a:rPr>
+            </a:br>
+            <a:r>
+              <a:rPr lang="en-US" sz="1200" b="0" i="1" kern="1200" dirty="0">
+                <a:solidFill>
+                  <a:schemeClr val="tx1"/>
+                </a:solidFill>
+                <a:effectLst/>
+                <a:latin typeface="+mn-lt"/>
+                <a:ea typeface="+mn-ea"/>
+                <a:cs typeface="+mn-cs"/>
+              </a:rPr>
+              <a:t># two convolution layers and one pooling layer, which </a:t>
+            </a:r>
+            <a:r>
+              <a:rPr lang="en-US" sz="1200" b="0" i="1" kern="1200" dirty="0" err="1">
+                <a:solidFill>
+                  <a:schemeClr val="tx1"/>
+                </a:solidFill>
+                <a:effectLst/>
+                <a:latin typeface="+mn-lt"/>
+                <a:ea typeface="+mn-ea"/>
+                <a:cs typeface="+mn-cs"/>
+              </a:rPr>
+              <a:t>downsamples</a:t>
+            </a:r>
+            <a:r>
+              <a:rPr lang="en-US" sz="1200" b="0" i="1" kern="1200" dirty="0">
+                <a:solidFill>
+                  <a:schemeClr val="tx1"/>
+                </a:solidFill>
+                <a:effectLst/>
+                <a:latin typeface="+mn-lt"/>
+                <a:ea typeface="+mn-ea"/>
+                <a:cs typeface="+mn-cs"/>
+              </a:rPr>
+              <a:t> image by a factor of 2</a:t>
+            </a:r>
+            <a:endParaRPr lang="en-US" sz="1200" b="0" kern="1200" dirty="0">
+              <a:solidFill>
+                <a:schemeClr val="tx1"/>
+              </a:solidFill>
+              <a:effectLst/>
+              <a:latin typeface="+mn-lt"/>
+              <a:ea typeface="+mn-ea"/>
+              <a:cs typeface="+mn-cs"/>
+            </a:endParaRPr>
+          </a:p>
+          <a:p>
+            <a:r>
+              <a:rPr lang="en-US" sz="1200" b="0" kern="1200" dirty="0">
+                <a:solidFill>
+                  <a:schemeClr val="tx1"/>
+                </a:solidFill>
+                <a:effectLst/>
+                <a:latin typeface="+mn-lt"/>
+                <a:ea typeface="+mn-ea"/>
+                <a:cs typeface="+mn-cs"/>
+              </a:rPr>
+              <a:t>conv1 = tf.keras.layers.Conv2D(32, (3, 3), activation='</a:t>
+            </a:r>
+            <a:r>
+              <a:rPr lang="en-US" sz="1200" b="0" kern="1200" dirty="0" err="1">
+                <a:solidFill>
+                  <a:schemeClr val="tx1"/>
+                </a:solidFill>
+                <a:effectLst/>
+                <a:latin typeface="+mn-lt"/>
+                <a:ea typeface="+mn-ea"/>
+                <a:cs typeface="+mn-cs"/>
+              </a:rPr>
+              <a:t>relu</a:t>
+            </a:r>
+            <a:r>
+              <a:rPr lang="en-US" sz="1200" b="0" kern="1200" dirty="0">
+                <a:solidFill>
+                  <a:schemeClr val="tx1"/>
+                </a:solidFill>
+                <a:effectLst/>
+                <a:latin typeface="+mn-lt"/>
+                <a:ea typeface="+mn-ea"/>
+                <a:cs typeface="+mn-cs"/>
+              </a:rPr>
+              <a:t>', padding='same')(</a:t>
+            </a:r>
+            <a:r>
+              <a:rPr lang="en-US" sz="1200" b="0" kern="1200" dirty="0" err="1">
+                <a:solidFill>
+                  <a:schemeClr val="tx1"/>
+                </a:solidFill>
+                <a:effectLst/>
+                <a:latin typeface="+mn-lt"/>
+                <a:ea typeface="+mn-ea"/>
+                <a:cs typeface="+mn-cs"/>
+              </a:rPr>
+              <a:t>img_input</a:t>
+            </a:r>
+            <a:r>
+              <a:rPr lang="en-US" sz="1200" b="0" kern="1200" dirty="0">
+                <a:solidFill>
+                  <a:schemeClr val="tx1"/>
+                </a:solidFill>
+                <a:effectLst/>
+                <a:latin typeface="+mn-lt"/>
+                <a:ea typeface="+mn-ea"/>
+                <a:cs typeface="+mn-cs"/>
+              </a:rPr>
+              <a:t>)</a:t>
+            </a:r>
+          </a:p>
+          <a:p>
+            <a:r>
+              <a:rPr lang="en-US" sz="1200" b="0" kern="1200" dirty="0">
+                <a:solidFill>
+                  <a:schemeClr val="tx1"/>
+                </a:solidFill>
+                <a:effectLst/>
+                <a:latin typeface="+mn-lt"/>
+                <a:ea typeface="+mn-ea"/>
+                <a:cs typeface="+mn-cs"/>
+              </a:rPr>
+              <a:t>conv1 = </a:t>
+            </a:r>
+            <a:r>
+              <a:rPr lang="en-US" sz="1200" b="0" kern="1200" dirty="0" err="1">
+                <a:solidFill>
+                  <a:schemeClr val="tx1"/>
+                </a:solidFill>
+                <a:effectLst/>
+                <a:latin typeface="+mn-lt"/>
+                <a:ea typeface="+mn-ea"/>
+                <a:cs typeface="+mn-cs"/>
+              </a:rPr>
+              <a:t>tf.keras.layers.Dropout</a:t>
+            </a:r>
+            <a:r>
+              <a:rPr lang="en-US" sz="1200" b="0" kern="1200" dirty="0">
+                <a:solidFill>
+                  <a:schemeClr val="tx1"/>
+                </a:solidFill>
+                <a:effectLst/>
+                <a:latin typeface="+mn-lt"/>
+                <a:ea typeface="+mn-ea"/>
+                <a:cs typeface="+mn-cs"/>
+              </a:rPr>
+              <a:t>(0.2)(conv1)</a:t>
+            </a:r>
+          </a:p>
+          <a:p>
+            <a:r>
+              <a:rPr lang="en-US" sz="1200" b="0" kern="1200" dirty="0">
+                <a:solidFill>
+                  <a:schemeClr val="tx1"/>
+                </a:solidFill>
+                <a:effectLst/>
+                <a:latin typeface="+mn-lt"/>
+                <a:ea typeface="+mn-ea"/>
+                <a:cs typeface="+mn-cs"/>
+              </a:rPr>
+              <a:t>conv1 = tf.keras.layers.Conv2D(32, (3,3), activation='</a:t>
+            </a:r>
+            <a:r>
+              <a:rPr lang="en-US" sz="1200" b="0" kern="1200" dirty="0" err="1">
+                <a:solidFill>
+                  <a:schemeClr val="tx1"/>
+                </a:solidFill>
+                <a:effectLst/>
+                <a:latin typeface="+mn-lt"/>
+                <a:ea typeface="+mn-ea"/>
+                <a:cs typeface="+mn-cs"/>
+              </a:rPr>
+              <a:t>relu</a:t>
+            </a:r>
+            <a:r>
+              <a:rPr lang="en-US" sz="1200" b="0" kern="1200" dirty="0">
+                <a:solidFill>
+                  <a:schemeClr val="tx1"/>
+                </a:solidFill>
+                <a:effectLst/>
+                <a:latin typeface="+mn-lt"/>
+                <a:ea typeface="+mn-ea"/>
+                <a:cs typeface="+mn-cs"/>
+              </a:rPr>
+              <a:t>', padding='same')(conv1)</a:t>
+            </a:r>
+          </a:p>
+          <a:p>
+            <a:r>
+              <a:rPr lang="en-US" sz="1200" b="0" kern="1200" dirty="0">
+                <a:solidFill>
+                  <a:schemeClr val="tx1"/>
+                </a:solidFill>
+                <a:effectLst/>
+                <a:latin typeface="+mn-lt"/>
+                <a:ea typeface="+mn-ea"/>
+                <a:cs typeface="+mn-cs"/>
+              </a:rPr>
+              <a:t>pool1 = tf.keras.layers.MaxPooling2D((2,2))(conv1)</a:t>
+            </a:r>
+          </a:p>
+          <a:p>
+            <a:br>
+              <a:rPr lang="en-US" sz="1200" b="0" kern="1200" dirty="0">
+                <a:solidFill>
+                  <a:schemeClr val="tx1"/>
+                </a:solidFill>
+                <a:effectLst/>
+                <a:latin typeface="+mn-lt"/>
+                <a:ea typeface="+mn-ea"/>
+                <a:cs typeface="+mn-cs"/>
+              </a:rPr>
+            </a:br>
+            <a:r>
+              <a:rPr lang="en-US" sz="1200" b="0" kern="1200" dirty="0">
+                <a:solidFill>
+                  <a:schemeClr val="tx1"/>
+                </a:solidFill>
+                <a:effectLst/>
+                <a:latin typeface="+mn-lt"/>
+                <a:ea typeface="+mn-ea"/>
+                <a:cs typeface="+mn-cs"/>
+              </a:rPr>
+              <a:t>conv2 = tf.keras.layers.Conv2D(64, (3,3), activation='</a:t>
+            </a:r>
+            <a:r>
+              <a:rPr lang="en-US" sz="1200" b="0" kern="1200" dirty="0" err="1">
+                <a:solidFill>
+                  <a:schemeClr val="tx1"/>
+                </a:solidFill>
+                <a:effectLst/>
+                <a:latin typeface="+mn-lt"/>
+                <a:ea typeface="+mn-ea"/>
+                <a:cs typeface="+mn-cs"/>
+              </a:rPr>
+              <a:t>relu</a:t>
+            </a:r>
+            <a:r>
+              <a:rPr lang="en-US" sz="1200" b="0" kern="1200" dirty="0">
+                <a:solidFill>
+                  <a:schemeClr val="tx1"/>
+                </a:solidFill>
+                <a:effectLst/>
+                <a:latin typeface="+mn-lt"/>
+                <a:ea typeface="+mn-ea"/>
+                <a:cs typeface="+mn-cs"/>
+              </a:rPr>
+              <a:t>', padding='same')(pool1)</a:t>
+            </a:r>
+          </a:p>
+          <a:p>
+            <a:r>
+              <a:rPr lang="en-US" sz="1200" b="0" kern="1200" dirty="0">
+                <a:solidFill>
+                  <a:schemeClr val="tx1"/>
+                </a:solidFill>
+                <a:effectLst/>
+                <a:latin typeface="+mn-lt"/>
+                <a:ea typeface="+mn-ea"/>
+                <a:cs typeface="+mn-cs"/>
+              </a:rPr>
+              <a:t>conv2 = </a:t>
+            </a:r>
+            <a:r>
+              <a:rPr lang="en-US" sz="1200" b="0" kern="1200" dirty="0" err="1">
+                <a:solidFill>
+                  <a:schemeClr val="tx1"/>
+                </a:solidFill>
+                <a:effectLst/>
+                <a:latin typeface="+mn-lt"/>
+                <a:ea typeface="+mn-ea"/>
+                <a:cs typeface="+mn-cs"/>
+              </a:rPr>
+              <a:t>tf.keras.layers.Dropout</a:t>
+            </a:r>
+            <a:r>
+              <a:rPr lang="en-US" sz="1200" b="0" kern="1200" dirty="0">
+                <a:solidFill>
+                  <a:schemeClr val="tx1"/>
+                </a:solidFill>
+                <a:effectLst/>
+                <a:latin typeface="+mn-lt"/>
+                <a:ea typeface="+mn-ea"/>
+                <a:cs typeface="+mn-cs"/>
+              </a:rPr>
+              <a:t>(0.2)(conv2)</a:t>
+            </a:r>
+          </a:p>
+          <a:p>
+            <a:r>
+              <a:rPr lang="en-US" sz="1200" b="0" kern="1200" dirty="0">
+                <a:solidFill>
+                  <a:schemeClr val="tx1"/>
+                </a:solidFill>
+                <a:effectLst/>
+                <a:latin typeface="+mn-lt"/>
+                <a:ea typeface="+mn-ea"/>
+                <a:cs typeface="+mn-cs"/>
+              </a:rPr>
+              <a:t>conv2 = tf.keras.layers.Conv2D(64, (3,3), activation='</a:t>
+            </a:r>
+            <a:r>
+              <a:rPr lang="en-US" sz="1200" b="0" kern="1200" dirty="0" err="1">
+                <a:solidFill>
+                  <a:schemeClr val="tx1"/>
+                </a:solidFill>
+                <a:effectLst/>
+                <a:latin typeface="+mn-lt"/>
+                <a:ea typeface="+mn-ea"/>
+                <a:cs typeface="+mn-cs"/>
+              </a:rPr>
+              <a:t>relu</a:t>
+            </a:r>
+            <a:r>
+              <a:rPr lang="en-US" sz="1200" b="0" kern="1200" dirty="0">
+                <a:solidFill>
+                  <a:schemeClr val="tx1"/>
+                </a:solidFill>
+                <a:effectLst/>
+                <a:latin typeface="+mn-lt"/>
+                <a:ea typeface="+mn-ea"/>
+                <a:cs typeface="+mn-cs"/>
+              </a:rPr>
+              <a:t>', padding='same')(conv2)</a:t>
+            </a:r>
+          </a:p>
+          <a:p>
+            <a:r>
+              <a:rPr lang="en-US" sz="1200" b="0" kern="1200" dirty="0">
+                <a:solidFill>
+                  <a:schemeClr val="tx1"/>
+                </a:solidFill>
+                <a:effectLst/>
+                <a:latin typeface="+mn-lt"/>
+                <a:ea typeface="+mn-ea"/>
+                <a:cs typeface="+mn-cs"/>
+              </a:rPr>
+              <a:t>pool2 = tf.keras.layers.MaxPooling2D((2,2))(conv2)</a:t>
+            </a:r>
+          </a:p>
+          <a:p>
+            <a:br>
+              <a:rPr lang="en-US" sz="1200" b="0" kern="1200" dirty="0">
+                <a:solidFill>
+                  <a:schemeClr val="tx1"/>
+                </a:solidFill>
+                <a:effectLst/>
+                <a:latin typeface="+mn-lt"/>
+                <a:ea typeface="+mn-ea"/>
+                <a:cs typeface="+mn-cs"/>
+              </a:rPr>
+            </a:br>
+            <a:r>
+              <a:rPr lang="en-US" sz="1200" b="0" i="1" kern="1200" dirty="0">
+                <a:solidFill>
+                  <a:schemeClr val="tx1"/>
+                </a:solidFill>
+                <a:effectLst/>
+                <a:latin typeface="+mn-lt"/>
+                <a:ea typeface="+mn-ea"/>
+                <a:cs typeface="+mn-cs"/>
+              </a:rPr>
+              <a:t># decoder layers</a:t>
+            </a:r>
+            <a:endParaRPr lang="en-US" sz="1200" b="0" kern="1200" dirty="0">
+              <a:solidFill>
+                <a:schemeClr val="tx1"/>
+              </a:solidFill>
+              <a:effectLst/>
+              <a:latin typeface="+mn-lt"/>
+              <a:ea typeface="+mn-ea"/>
+              <a:cs typeface="+mn-cs"/>
+            </a:endParaRPr>
+          </a:p>
+          <a:p>
+            <a:r>
+              <a:rPr lang="en-US" sz="1200" b="0" kern="1200" dirty="0">
+                <a:solidFill>
+                  <a:schemeClr val="tx1"/>
+                </a:solidFill>
+                <a:effectLst/>
+                <a:latin typeface="+mn-lt"/>
+                <a:ea typeface="+mn-ea"/>
+                <a:cs typeface="+mn-cs"/>
+              </a:rPr>
+              <a:t>conv3 = tf.keras.layers.Conv2D(128, (3,3), activation='</a:t>
+            </a:r>
+            <a:r>
+              <a:rPr lang="en-US" sz="1200" b="0" kern="1200" dirty="0" err="1">
+                <a:solidFill>
+                  <a:schemeClr val="tx1"/>
+                </a:solidFill>
+                <a:effectLst/>
+                <a:latin typeface="+mn-lt"/>
+                <a:ea typeface="+mn-ea"/>
+                <a:cs typeface="+mn-cs"/>
+              </a:rPr>
+              <a:t>relu</a:t>
+            </a:r>
+            <a:r>
+              <a:rPr lang="en-US" sz="1200" b="0" kern="1200" dirty="0">
+                <a:solidFill>
+                  <a:schemeClr val="tx1"/>
+                </a:solidFill>
+                <a:effectLst/>
+                <a:latin typeface="+mn-lt"/>
+                <a:ea typeface="+mn-ea"/>
+                <a:cs typeface="+mn-cs"/>
+              </a:rPr>
+              <a:t>', padding='same')(pool2)</a:t>
+            </a:r>
+          </a:p>
+          <a:p>
+            <a:r>
+              <a:rPr lang="en-US" sz="1200" b="0" kern="1200" dirty="0">
+                <a:solidFill>
+                  <a:schemeClr val="tx1"/>
+                </a:solidFill>
+                <a:effectLst/>
+                <a:latin typeface="+mn-lt"/>
+                <a:ea typeface="+mn-ea"/>
+                <a:cs typeface="+mn-cs"/>
+              </a:rPr>
+              <a:t>conv3 = </a:t>
+            </a:r>
+            <a:r>
+              <a:rPr lang="en-US" sz="1200" b="0" kern="1200" dirty="0" err="1">
+                <a:solidFill>
+                  <a:schemeClr val="tx1"/>
+                </a:solidFill>
+                <a:effectLst/>
+                <a:latin typeface="+mn-lt"/>
+                <a:ea typeface="+mn-ea"/>
+                <a:cs typeface="+mn-cs"/>
+              </a:rPr>
+              <a:t>tf.keras.layers.Dropout</a:t>
+            </a:r>
+            <a:r>
+              <a:rPr lang="en-US" sz="1200" b="0" kern="1200" dirty="0">
+                <a:solidFill>
+                  <a:schemeClr val="tx1"/>
+                </a:solidFill>
+                <a:effectLst/>
+                <a:latin typeface="+mn-lt"/>
+                <a:ea typeface="+mn-ea"/>
+                <a:cs typeface="+mn-cs"/>
+              </a:rPr>
+              <a:t>(0.2)(conv3)</a:t>
+            </a:r>
+          </a:p>
+          <a:p>
+            <a:r>
+              <a:rPr lang="en-US" sz="1200" b="0" kern="1200" dirty="0">
+                <a:solidFill>
+                  <a:schemeClr val="tx1"/>
+                </a:solidFill>
+                <a:effectLst/>
+                <a:latin typeface="+mn-lt"/>
+                <a:ea typeface="+mn-ea"/>
+                <a:cs typeface="+mn-cs"/>
+              </a:rPr>
+              <a:t>conv3 = tf.keras.layers.Conv2D(128, (3,3), activation='</a:t>
+            </a:r>
+            <a:r>
+              <a:rPr lang="en-US" sz="1200" b="0" kern="1200" dirty="0" err="1">
+                <a:solidFill>
+                  <a:schemeClr val="tx1"/>
+                </a:solidFill>
+                <a:effectLst/>
+                <a:latin typeface="+mn-lt"/>
+                <a:ea typeface="+mn-ea"/>
+                <a:cs typeface="+mn-cs"/>
+              </a:rPr>
+              <a:t>relu</a:t>
+            </a:r>
+            <a:r>
+              <a:rPr lang="en-US" sz="1200" b="0" kern="1200" dirty="0">
+                <a:solidFill>
+                  <a:schemeClr val="tx1"/>
+                </a:solidFill>
+                <a:effectLst/>
+                <a:latin typeface="+mn-lt"/>
+                <a:ea typeface="+mn-ea"/>
+                <a:cs typeface="+mn-cs"/>
+              </a:rPr>
+              <a:t>', padding='same')(conv3)</a:t>
+            </a:r>
+          </a:p>
+          <a:p>
+            <a:br>
+              <a:rPr lang="en-US" sz="1200" b="0" kern="1200" dirty="0">
+                <a:solidFill>
+                  <a:schemeClr val="tx1"/>
+                </a:solidFill>
+                <a:effectLst/>
+                <a:latin typeface="+mn-lt"/>
+                <a:ea typeface="+mn-ea"/>
+                <a:cs typeface="+mn-cs"/>
+              </a:rPr>
+            </a:br>
+            <a:r>
+              <a:rPr lang="en-US" sz="1200" b="0" i="1" kern="1200" dirty="0">
+                <a:solidFill>
+                  <a:schemeClr val="tx1"/>
+                </a:solidFill>
+                <a:effectLst/>
+                <a:latin typeface="+mn-lt"/>
+                <a:ea typeface="+mn-ea"/>
+                <a:cs typeface="+mn-cs"/>
+              </a:rPr>
+              <a:t># </a:t>
+            </a:r>
+            <a:r>
+              <a:rPr lang="en-US" sz="1200" b="0" i="1" kern="1200" dirty="0" err="1">
+                <a:solidFill>
+                  <a:schemeClr val="tx1"/>
+                </a:solidFill>
+                <a:effectLst/>
+                <a:latin typeface="+mn-lt"/>
+                <a:ea typeface="+mn-ea"/>
+                <a:cs typeface="+mn-cs"/>
+              </a:rPr>
+              <a:t>concat</a:t>
+            </a:r>
+            <a:r>
+              <a:rPr lang="en-US" sz="1200" b="0" i="1" kern="1200" dirty="0">
+                <a:solidFill>
+                  <a:schemeClr val="tx1"/>
+                </a:solidFill>
+                <a:effectLst/>
+                <a:latin typeface="+mn-lt"/>
+                <a:ea typeface="+mn-ea"/>
+                <a:cs typeface="+mn-cs"/>
+              </a:rPr>
+              <a:t> intermediate encoder outputs with intermediate decoder outputs, which is the skip connection</a:t>
+            </a:r>
+            <a:endParaRPr lang="en-US" sz="1200" b="0" kern="1200" dirty="0">
+              <a:solidFill>
+                <a:schemeClr val="tx1"/>
+              </a:solidFill>
+              <a:effectLst/>
+              <a:latin typeface="+mn-lt"/>
+              <a:ea typeface="+mn-ea"/>
+              <a:cs typeface="+mn-cs"/>
+            </a:endParaRPr>
+          </a:p>
+          <a:p>
+            <a:r>
+              <a:rPr lang="en-US" sz="1200" b="0" kern="1200" dirty="0">
+                <a:solidFill>
+                  <a:schemeClr val="tx1"/>
+                </a:solidFill>
+                <a:effectLst/>
+                <a:latin typeface="+mn-lt"/>
+                <a:ea typeface="+mn-ea"/>
+                <a:cs typeface="+mn-cs"/>
+              </a:rPr>
+              <a:t>up1 = </a:t>
+            </a:r>
+            <a:r>
+              <a:rPr lang="en-US" sz="1200" b="0" kern="1200" dirty="0" err="1">
+                <a:solidFill>
+                  <a:schemeClr val="tx1"/>
+                </a:solidFill>
+                <a:effectLst/>
+                <a:latin typeface="+mn-lt"/>
+                <a:ea typeface="+mn-ea"/>
+                <a:cs typeface="+mn-cs"/>
+              </a:rPr>
+              <a:t>tf.keras.layers.concatenate</a:t>
+            </a:r>
+            <a:r>
+              <a:rPr lang="en-US" sz="1200" b="0" kern="1200" dirty="0">
+                <a:solidFill>
+                  <a:schemeClr val="tx1"/>
+                </a:solidFill>
+                <a:effectLst/>
+                <a:latin typeface="+mn-lt"/>
+                <a:ea typeface="+mn-ea"/>
+                <a:cs typeface="+mn-cs"/>
+              </a:rPr>
+              <a:t>([tf.keras.layers.UpSampling2D((2,2))(conv3), conv2], axis=-1)</a:t>
+            </a:r>
+          </a:p>
+          <a:p>
+            <a:r>
+              <a:rPr lang="en-US" sz="1200" b="0" kern="1200" dirty="0">
+                <a:solidFill>
+                  <a:schemeClr val="tx1"/>
+                </a:solidFill>
+                <a:effectLst/>
+                <a:latin typeface="+mn-lt"/>
+                <a:ea typeface="+mn-ea"/>
+                <a:cs typeface="+mn-cs"/>
+              </a:rPr>
+              <a:t>conv4 = tf.keras.layers.Conv2D(64, (3,3), activation='</a:t>
+            </a:r>
+            <a:r>
+              <a:rPr lang="en-US" sz="1200" b="0" kern="1200" dirty="0" err="1">
+                <a:solidFill>
+                  <a:schemeClr val="tx1"/>
+                </a:solidFill>
+                <a:effectLst/>
+                <a:latin typeface="+mn-lt"/>
+                <a:ea typeface="+mn-ea"/>
+                <a:cs typeface="+mn-cs"/>
+              </a:rPr>
+              <a:t>relu</a:t>
+            </a:r>
+            <a:r>
+              <a:rPr lang="en-US" sz="1200" b="0" kern="1200" dirty="0">
+                <a:solidFill>
+                  <a:schemeClr val="tx1"/>
+                </a:solidFill>
+                <a:effectLst/>
+                <a:latin typeface="+mn-lt"/>
+                <a:ea typeface="+mn-ea"/>
+                <a:cs typeface="+mn-cs"/>
+              </a:rPr>
+              <a:t>', padding='same')(up1)</a:t>
+            </a:r>
+          </a:p>
+          <a:p>
+            <a:r>
+              <a:rPr lang="en-US" sz="1200" b="0" kern="1200" dirty="0">
+                <a:solidFill>
+                  <a:schemeClr val="tx1"/>
+                </a:solidFill>
+                <a:effectLst/>
+                <a:latin typeface="+mn-lt"/>
+                <a:ea typeface="+mn-ea"/>
+                <a:cs typeface="+mn-cs"/>
+              </a:rPr>
+              <a:t>conv4 = </a:t>
+            </a:r>
+            <a:r>
+              <a:rPr lang="en-US" sz="1200" b="0" kern="1200" dirty="0" err="1">
+                <a:solidFill>
+                  <a:schemeClr val="tx1"/>
+                </a:solidFill>
+                <a:effectLst/>
+                <a:latin typeface="+mn-lt"/>
+                <a:ea typeface="+mn-ea"/>
+                <a:cs typeface="+mn-cs"/>
+              </a:rPr>
+              <a:t>tf.keras.layers.Dropout</a:t>
+            </a:r>
+            <a:r>
+              <a:rPr lang="en-US" sz="1200" b="0" kern="1200" dirty="0">
+                <a:solidFill>
+                  <a:schemeClr val="tx1"/>
+                </a:solidFill>
+                <a:effectLst/>
+                <a:latin typeface="+mn-lt"/>
+                <a:ea typeface="+mn-ea"/>
+                <a:cs typeface="+mn-cs"/>
+              </a:rPr>
+              <a:t>(0.2)(conv4)</a:t>
+            </a:r>
+          </a:p>
+          <a:p>
+            <a:r>
+              <a:rPr lang="en-US" sz="1200" b="0" kern="1200" dirty="0">
+                <a:solidFill>
+                  <a:schemeClr val="tx1"/>
+                </a:solidFill>
+                <a:effectLst/>
+                <a:latin typeface="+mn-lt"/>
+                <a:ea typeface="+mn-ea"/>
+                <a:cs typeface="+mn-cs"/>
+              </a:rPr>
+              <a:t>conv4 = tf.keras.layers.Conv2D(64, (3,3), activation='</a:t>
+            </a:r>
+            <a:r>
+              <a:rPr lang="en-US" sz="1200" b="0" kern="1200" dirty="0" err="1">
+                <a:solidFill>
+                  <a:schemeClr val="tx1"/>
+                </a:solidFill>
+                <a:effectLst/>
+                <a:latin typeface="+mn-lt"/>
+                <a:ea typeface="+mn-ea"/>
+                <a:cs typeface="+mn-cs"/>
+              </a:rPr>
+              <a:t>relu</a:t>
+            </a:r>
+            <a:r>
+              <a:rPr lang="en-US" sz="1200" b="0" kern="1200" dirty="0">
+                <a:solidFill>
+                  <a:schemeClr val="tx1"/>
+                </a:solidFill>
+                <a:effectLst/>
+                <a:latin typeface="+mn-lt"/>
+                <a:ea typeface="+mn-ea"/>
+                <a:cs typeface="+mn-cs"/>
+              </a:rPr>
+              <a:t>', padding='same')(conv4)</a:t>
+            </a:r>
+          </a:p>
+          <a:p>
+            <a:br>
+              <a:rPr lang="en-US" sz="1200" b="0" kern="1200" dirty="0">
+                <a:solidFill>
+                  <a:schemeClr val="tx1"/>
+                </a:solidFill>
+                <a:effectLst/>
+                <a:latin typeface="+mn-lt"/>
+                <a:ea typeface="+mn-ea"/>
+                <a:cs typeface="+mn-cs"/>
+              </a:rPr>
+            </a:br>
+            <a:r>
+              <a:rPr lang="en-US" sz="1200" b="0" kern="1200" dirty="0">
+                <a:solidFill>
+                  <a:schemeClr val="tx1"/>
+                </a:solidFill>
+                <a:effectLst/>
+                <a:latin typeface="+mn-lt"/>
+                <a:ea typeface="+mn-ea"/>
+                <a:cs typeface="+mn-cs"/>
+              </a:rPr>
+              <a:t>up2 = </a:t>
+            </a:r>
+            <a:r>
+              <a:rPr lang="en-US" sz="1200" b="0" kern="1200" dirty="0" err="1">
+                <a:solidFill>
+                  <a:schemeClr val="tx1"/>
+                </a:solidFill>
+                <a:effectLst/>
+                <a:latin typeface="+mn-lt"/>
+                <a:ea typeface="+mn-ea"/>
+                <a:cs typeface="+mn-cs"/>
+              </a:rPr>
+              <a:t>tf.keras.layers.concatenate</a:t>
+            </a:r>
+            <a:r>
+              <a:rPr lang="en-US" sz="1200" b="0" kern="1200" dirty="0">
+                <a:solidFill>
+                  <a:schemeClr val="tx1"/>
+                </a:solidFill>
+                <a:effectLst/>
+                <a:latin typeface="+mn-lt"/>
+                <a:ea typeface="+mn-ea"/>
+                <a:cs typeface="+mn-cs"/>
+              </a:rPr>
+              <a:t>([tf.keras.layers.UpSampling2D((2,2))(conv4), conv1], axis=-1)</a:t>
+            </a:r>
+          </a:p>
+          <a:p>
+            <a:r>
+              <a:rPr lang="en-US" sz="1200" b="0" kern="1200" dirty="0">
+                <a:solidFill>
+                  <a:schemeClr val="tx1"/>
+                </a:solidFill>
+                <a:effectLst/>
+                <a:latin typeface="+mn-lt"/>
+                <a:ea typeface="+mn-ea"/>
+                <a:cs typeface="+mn-cs"/>
+              </a:rPr>
+              <a:t>conv5 = tf.keras.layers.Conv2D(32, (3,3), activation='</a:t>
+            </a:r>
+            <a:r>
+              <a:rPr lang="en-US" sz="1200" b="0" kern="1200" dirty="0" err="1">
+                <a:solidFill>
+                  <a:schemeClr val="tx1"/>
+                </a:solidFill>
+                <a:effectLst/>
+                <a:latin typeface="+mn-lt"/>
+                <a:ea typeface="+mn-ea"/>
+                <a:cs typeface="+mn-cs"/>
+              </a:rPr>
+              <a:t>relu</a:t>
+            </a:r>
+            <a:r>
+              <a:rPr lang="en-US" sz="1200" b="0" kern="1200" dirty="0">
+                <a:solidFill>
+                  <a:schemeClr val="tx1"/>
+                </a:solidFill>
+                <a:effectLst/>
+                <a:latin typeface="+mn-lt"/>
+                <a:ea typeface="+mn-ea"/>
+                <a:cs typeface="+mn-cs"/>
+              </a:rPr>
+              <a:t>', padding='same')(up2)</a:t>
+            </a:r>
+          </a:p>
+          <a:p>
+            <a:r>
+              <a:rPr lang="en-US" sz="1200" b="0" kern="1200" dirty="0">
+                <a:solidFill>
+                  <a:schemeClr val="tx1"/>
+                </a:solidFill>
+                <a:effectLst/>
+                <a:latin typeface="+mn-lt"/>
+                <a:ea typeface="+mn-ea"/>
+                <a:cs typeface="+mn-cs"/>
+              </a:rPr>
+              <a:t>conv5 = </a:t>
+            </a:r>
+            <a:r>
+              <a:rPr lang="en-US" sz="1200" b="0" kern="1200" dirty="0" err="1">
+                <a:solidFill>
+                  <a:schemeClr val="tx1"/>
+                </a:solidFill>
+                <a:effectLst/>
+                <a:latin typeface="+mn-lt"/>
+                <a:ea typeface="+mn-ea"/>
+                <a:cs typeface="+mn-cs"/>
+              </a:rPr>
+              <a:t>tf.keras.layers.Dropout</a:t>
+            </a:r>
+            <a:r>
+              <a:rPr lang="en-US" sz="1200" b="0" kern="1200" dirty="0">
+                <a:solidFill>
+                  <a:schemeClr val="tx1"/>
+                </a:solidFill>
+                <a:effectLst/>
+                <a:latin typeface="+mn-lt"/>
+                <a:ea typeface="+mn-ea"/>
+                <a:cs typeface="+mn-cs"/>
+              </a:rPr>
+              <a:t>(0.2)(conv5)</a:t>
+            </a:r>
+          </a:p>
+          <a:p>
+            <a:r>
+              <a:rPr lang="en-US" sz="1200" b="0" kern="1200" dirty="0">
+                <a:solidFill>
+                  <a:schemeClr val="tx1"/>
+                </a:solidFill>
+                <a:effectLst/>
+                <a:latin typeface="+mn-lt"/>
+                <a:ea typeface="+mn-ea"/>
+                <a:cs typeface="+mn-cs"/>
+              </a:rPr>
+              <a:t>conv5 = tf.keras.layers.Conv2D(32, (3,3), activation='</a:t>
+            </a:r>
+            <a:r>
+              <a:rPr lang="en-US" sz="1200" b="0" kern="1200" dirty="0" err="1">
+                <a:solidFill>
+                  <a:schemeClr val="tx1"/>
+                </a:solidFill>
+                <a:effectLst/>
+                <a:latin typeface="+mn-lt"/>
+                <a:ea typeface="+mn-ea"/>
+                <a:cs typeface="+mn-cs"/>
+              </a:rPr>
+              <a:t>relu</a:t>
+            </a:r>
+            <a:r>
+              <a:rPr lang="en-US" sz="1200" b="0" kern="1200" dirty="0">
+                <a:solidFill>
+                  <a:schemeClr val="tx1"/>
+                </a:solidFill>
+                <a:effectLst/>
+                <a:latin typeface="+mn-lt"/>
+                <a:ea typeface="+mn-ea"/>
+                <a:cs typeface="+mn-cs"/>
+              </a:rPr>
+              <a:t>', padding='same')(conv5)</a:t>
+            </a:r>
+          </a:p>
+          <a:p>
+            <a:br>
+              <a:rPr lang="en-US" sz="1200" b="0" kern="1200" dirty="0">
+                <a:solidFill>
+                  <a:schemeClr val="tx1"/>
+                </a:solidFill>
+                <a:effectLst/>
+                <a:latin typeface="+mn-lt"/>
+                <a:ea typeface="+mn-ea"/>
+                <a:cs typeface="+mn-cs"/>
+              </a:rPr>
+            </a:br>
+            <a:r>
+              <a:rPr lang="en-US" sz="1200" b="0" i="1" kern="1200" dirty="0">
+                <a:solidFill>
+                  <a:schemeClr val="tx1"/>
+                </a:solidFill>
+                <a:effectLst/>
+                <a:latin typeface="+mn-lt"/>
+                <a:ea typeface="+mn-ea"/>
+                <a:cs typeface="+mn-cs"/>
+              </a:rPr>
+              <a:t># get output with proper number of classes</a:t>
+            </a:r>
+            <a:endParaRPr lang="en-US" sz="1200" b="0" kern="1200" dirty="0">
+              <a:solidFill>
+                <a:schemeClr val="tx1"/>
+              </a:solidFill>
+              <a:effectLst/>
+              <a:latin typeface="+mn-lt"/>
+              <a:ea typeface="+mn-ea"/>
+              <a:cs typeface="+mn-cs"/>
+            </a:endParaRPr>
+          </a:p>
+          <a:p>
+            <a:r>
+              <a:rPr lang="en-US" sz="1200" b="0" kern="1200" dirty="0">
+                <a:solidFill>
+                  <a:schemeClr val="tx1"/>
+                </a:solidFill>
+                <a:effectLst/>
+                <a:latin typeface="+mn-lt"/>
+                <a:ea typeface="+mn-ea"/>
+                <a:cs typeface="+mn-cs"/>
+              </a:rPr>
+              <a:t>out = tf.keras.layers.Conv2D(</a:t>
+            </a:r>
+            <a:r>
+              <a:rPr lang="en-US" sz="1200" b="0" kern="1200" dirty="0" err="1">
+                <a:solidFill>
+                  <a:schemeClr val="tx1"/>
+                </a:solidFill>
+                <a:effectLst/>
+                <a:latin typeface="+mn-lt"/>
+                <a:ea typeface="+mn-ea"/>
+                <a:cs typeface="+mn-cs"/>
+              </a:rPr>
+              <a:t>n_classes</a:t>
+            </a:r>
+            <a:r>
+              <a:rPr lang="en-US" sz="1200" b="0" kern="1200" dirty="0">
+                <a:solidFill>
+                  <a:schemeClr val="tx1"/>
+                </a:solidFill>
+                <a:effectLst/>
+                <a:latin typeface="+mn-lt"/>
+                <a:ea typeface="+mn-ea"/>
+                <a:cs typeface="+mn-cs"/>
+              </a:rPr>
+              <a:t>, (1,1), padding='same')(conv5)</a:t>
+            </a:r>
+          </a:p>
+          <a:p>
+            <a:endParaRPr lang="en-US" dirty="0"/>
+          </a:p>
+        </p:txBody>
+      </p:sp>
+      <p:sp>
+        <p:nvSpPr>
+          <p:cNvPr id="4" name="Slide Number Placeholder 3"/>
+          <p:cNvSpPr>
+            <a:spLocks noGrp="1"/>
+          </p:cNvSpPr>
+          <p:nvPr>
+            <p:ph type="sldNum" sz="quarter" idx="5"/>
+          </p:nvPr>
+        </p:nvSpPr>
+        <p:spPr/>
+        <p:txBody>
+          <a:bodyPr/>
+          <a:lstStyle/>
+          <a:p>
+            <a:fld id="{8B858FF0-2092-CF4C-BD0A-AD91B44517F1}" type="slidenum">
+              <a:rPr lang="en-US" smtClean="0"/>
+              <a:t>4</a:t>
             </a:fld>
             <a:endParaRPr lang="en-US"/>
           </a:p>
@@ -6322,6 +7526,139 @@
           <a:p>
             <a:r>
               <a:rPr lang="en-US" dirty="0"/>
+              <a:t>2 epoch, trained on just </a:t>
+            </a:r>
+            <a:r>
+              <a:rPr lang="en-US" dirty="0" err="1"/>
+              <a:t>xpl</a:t>
+            </a:r>
+            <a:r>
+              <a:rPr lang="en-US" dirty="0"/>
+              <a:t> images 150x150px</a:t>
+            </a:r>
+          </a:p>
+        </p:txBody>
+      </p:sp>
+      <p:sp>
+        <p:nvSpPr>
+          <p:cNvPr id="6" name="TextBox 5">
+            <a:extLst>
+              <a:ext uri="{FF2B5EF4-FFF2-40B4-BE49-F238E27FC236}">
+                <a16:creationId xmlns:a16="http://schemas.microsoft.com/office/drawing/2014/main" id="{B0E5B7D6-87D1-7C45-851D-24E687EDE1FA}"/>
+              </a:ext>
+            </a:extLst>
+          </p:cNvPr>
+          <p:cNvSpPr txBox="1"/>
+          <p:nvPr/>
+        </p:nvSpPr>
+        <p:spPr>
+          <a:xfrm>
+            <a:off x="3657600" y="1175657"/>
+            <a:ext cx="3047694" cy="369332"/>
+          </a:xfrm>
+          <a:prstGeom prst="rect">
+            <a:avLst/>
+          </a:prstGeom>
+          <a:noFill/>
+        </p:spPr>
+        <p:txBody>
+          <a:bodyPr wrap="none" rtlCol="0">
+            <a:spAutoFit/>
+          </a:bodyPr>
+          <a:lstStyle/>
+          <a:p>
+            <a:r>
+              <a:rPr lang="en-US" dirty="0"/>
+              <a:t>loss: 2.6517 - accuracy: 0.3143</a:t>
+            </a:r>
+          </a:p>
+        </p:txBody>
+      </p:sp>
+      <p:pic>
+        <p:nvPicPr>
+          <p:cNvPr id="11" name="Picture 10">
+            <a:extLst>
+              <a:ext uri="{FF2B5EF4-FFF2-40B4-BE49-F238E27FC236}">
+                <a16:creationId xmlns:a16="http://schemas.microsoft.com/office/drawing/2014/main" id="{648CEF7B-1850-814D-8582-C8411319624E}"/>
+              </a:ext>
+            </a:extLst>
+          </p:cNvPr>
+          <p:cNvPicPr>
+            <a:picLocks noChangeAspect="1"/>
+          </p:cNvPicPr>
+          <p:nvPr/>
+        </p:nvPicPr>
+        <p:blipFill>
+          <a:blip r:embed="rId3"/>
+          <a:stretch>
+            <a:fillRect/>
+          </a:stretch>
+        </p:blipFill>
+        <p:spPr>
+          <a:xfrm>
+            <a:off x="2338273" y="2179749"/>
+            <a:ext cx="6201933" cy="3225005"/>
+          </a:xfrm>
+          <a:prstGeom prst="rect">
+            <a:avLst/>
+          </a:prstGeom>
+        </p:spPr>
+      </p:pic>
+    </p:spTree>
+    <p:extLst>
+      <p:ext uri="{BB962C8B-B14F-4D97-AF65-F5344CB8AC3E}">
+        <p14:creationId xmlns:p14="http://schemas.microsoft.com/office/powerpoint/2010/main" val="3716512000"/>
+      </p:ext>
+    </p:extLst>
+  </p:cSld>
+  <p:clrMapOvr>
+    <a:masterClrMapping/>
+  </p:clrMapOvr>
+</p:sld>
+</file>
+
+<file path=ppt/slides/slide4.xml><?xml version="1.0" encoding="utf-8"?>
+<p:sld xmlns:a="http://schemas.openxmlformats.org/drawingml/2006/main" xmlns:r="http://schemas.openxmlformats.org/officeDocument/2006/relationships" xmlns:p="http://schemas.openxmlformats.org/presentationml/2006/main">
+  <p:cSld>
+    <p:spTree>
+      <p:nvGrpSpPr>
+        <p:cNvPr id="1" name=""/>
+        <p:cNvGrpSpPr/>
+        <p:nvPr/>
+      </p:nvGrpSpPr>
+      <p:grpSpPr>
+        <a:xfrm>
+          <a:off x="0" y="0"/>
+          <a:ext cx="0" cy="0"/>
+          <a:chOff x="0" y="0"/>
+          <a:chExt cx="0" cy="0"/>
+        </a:xfrm>
+      </p:grpSpPr>
+      <p:sp>
+        <p:nvSpPr>
+          <p:cNvPr id="2" name="Title 1">
+            <a:extLst>
+              <a:ext uri="{FF2B5EF4-FFF2-40B4-BE49-F238E27FC236}">
+                <a16:creationId xmlns:a16="http://schemas.microsoft.com/office/drawing/2014/main" id="{569F16DD-7710-0E49-B9B9-DA8385AE9633}"/>
+              </a:ext>
+            </a:extLst>
+          </p:cNvPr>
+          <p:cNvSpPr>
+            <a:spLocks noGrp="1"/>
+          </p:cNvSpPr>
+          <p:nvPr>
+            <p:ph type="title"/>
+          </p:nvPr>
+        </p:nvSpPr>
+        <p:spPr/>
+        <p:txBody>
+          <a:bodyPr>
+            <a:normAutofit/>
+          </a:bodyPr>
+          <a:lstStyle/>
+          <a:p>
+            <a:r>
+              <a:rPr lang="en-US" dirty="0"/>
               <a:t>1 epoch, trained on just </a:t>
             </a:r>
             <a:r>
@@ -6413,7 +7750,7 @@
 </p:sld>
 </file>
 
-<file path=ppt/slides/slide4.xml><?xml version="1.0" encoding="utf-8"?>
+<file path=ppt/slides/slide5.xml><?xml version="1.0" encoding="utf-8"?>
 <p:sld xmlns:a="http://schemas.openxmlformats.org/drawingml/2006/main" xmlns:r="http://schemas.openxmlformats.org/officeDocument/2006/relationships" xmlns:p="http://schemas.openxmlformats.org/presentationml/2006/main">
   <p:cSld>
     <p:spTree>
